--- a/Презентация1.pptx
+++ b/Презентация1.pptx
@@ -5,7 +5,8 @@
     <p:sldMasterId id="2147483648" r:id="rId1"/>
   </p:sldMasterIdLst>
   <p:sldIdLst>
-    <p:sldId id="256" r:id="rId2"/>
+    <p:sldId id="257" r:id="rId2"/>
+    <p:sldId id="258" r:id="rId3"/>
   </p:sldIdLst>
   <p:sldSz cx="12192000" cy="6858000"/>
   <p:notesSz cx="6858000" cy="9144000"/>
@@ -104,6 +105,11 @@
       </a:defRPr>
     </a:lvl9pPr>
   </p:defaultTextStyle>
+  <p:extLst>
+    <p:ext uri="{EFAFB233-063F-42B5-8137-9DF3F51BA10A}">
+      <p15:sldGuideLst xmlns:p15="http://schemas.microsoft.com/office/powerpoint/2012/main"/>
+    </p:ext>
+  </p:extLst>
 </p:presentation>
 </file>
 
@@ -254,7 +260,7 @@
           <a:p>
             <a:fld id="{5ADCDDC1-E146-476C-9C36-FF7AA0E581DF}" type="datetimeFigureOut">
               <a:rPr lang="ru-RU" smtClean="0"/>
-              <a:t>22.06.2025</a:t>
+              <a:t>25.06.2025</a:t>
             </a:fld>
             <a:endParaRPr lang="ru-RU"/>
           </a:p>
@@ -452,7 +458,7 @@
           <a:p>
             <a:fld id="{5ADCDDC1-E146-476C-9C36-FF7AA0E581DF}" type="datetimeFigureOut">
               <a:rPr lang="ru-RU" smtClean="0"/>
-              <a:t>22.06.2025</a:t>
+              <a:t>25.06.2025</a:t>
             </a:fld>
             <a:endParaRPr lang="ru-RU"/>
           </a:p>
@@ -660,7 +666,7 @@
           <a:p>
             <a:fld id="{5ADCDDC1-E146-476C-9C36-FF7AA0E581DF}" type="datetimeFigureOut">
               <a:rPr lang="ru-RU" smtClean="0"/>
-              <a:t>22.06.2025</a:t>
+              <a:t>25.06.2025</a:t>
             </a:fld>
             <a:endParaRPr lang="ru-RU"/>
           </a:p>
@@ -858,7 +864,7 @@
           <a:p>
             <a:fld id="{5ADCDDC1-E146-476C-9C36-FF7AA0E581DF}" type="datetimeFigureOut">
               <a:rPr lang="ru-RU" smtClean="0"/>
-              <a:t>22.06.2025</a:t>
+              <a:t>25.06.2025</a:t>
             </a:fld>
             <a:endParaRPr lang="ru-RU"/>
           </a:p>
@@ -1133,7 +1139,7 @@
           <a:p>
             <a:fld id="{5ADCDDC1-E146-476C-9C36-FF7AA0E581DF}" type="datetimeFigureOut">
               <a:rPr lang="ru-RU" smtClean="0"/>
-              <a:t>22.06.2025</a:t>
+              <a:t>25.06.2025</a:t>
             </a:fld>
             <a:endParaRPr lang="ru-RU"/>
           </a:p>
@@ -1398,7 +1404,7 @@
           <a:p>
             <a:fld id="{5ADCDDC1-E146-476C-9C36-FF7AA0E581DF}" type="datetimeFigureOut">
               <a:rPr lang="ru-RU" smtClean="0"/>
-              <a:t>22.06.2025</a:t>
+              <a:t>25.06.2025</a:t>
             </a:fld>
             <a:endParaRPr lang="ru-RU"/>
           </a:p>
@@ -1810,7 +1816,7 @@
           <a:p>
             <a:fld id="{5ADCDDC1-E146-476C-9C36-FF7AA0E581DF}" type="datetimeFigureOut">
               <a:rPr lang="ru-RU" smtClean="0"/>
-              <a:t>22.06.2025</a:t>
+              <a:t>25.06.2025</a:t>
             </a:fld>
             <a:endParaRPr lang="ru-RU"/>
           </a:p>
@@ -1951,7 +1957,7 @@
           <a:p>
             <a:fld id="{5ADCDDC1-E146-476C-9C36-FF7AA0E581DF}" type="datetimeFigureOut">
               <a:rPr lang="ru-RU" smtClean="0"/>
-              <a:t>22.06.2025</a:t>
+              <a:t>25.06.2025</a:t>
             </a:fld>
             <a:endParaRPr lang="ru-RU"/>
           </a:p>
@@ -2064,7 +2070,7 @@
           <a:p>
             <a:fld id="{5ADCDDC1-E146-476C-9C36-FF7AA0E581DF}" type="datetimeFigureOut">
               <a:rPr lang="ru-RU" smtClean="0"/>
-              <a:t>22.06.2025</a:t>
+              <a:t>25.06.2025</a:t>
             </a:fld>
             <a:endParaRPr lang="ru-RU"/>
           </a:p>
@@ -2375,7 +2381,7 @@
           <a:p>
             <a:fld id="{5ADCDDC1-E146-476C-9C36-FF7AA0E581DF}" type="datetimeFigureOut">
               <a:rPr lang="ru-RU" smtClean="0"/>
-              <a:t>22.06.2025</a:t>
+              <a:t>25.06.2025</a:t>
             </a:fld>
             <a:endParaRPr lang="ru-RU"/>
           </a:p>
@@ -2663,7 +2669,7 @@
           <a:p>
             <a:fld id="{5ADCDDC1-E146-476C-9C36-FF7AA0E581DF}" type="datetimeFigureOut">
               <a:rPr lang="ru-RU" smtClean="0"/>
-              <a:t>22.06.2025</a:t>
+              <a:t>25.06.2025</a:t>
             </a:fld>
             <a:endParaRPr lang="ru-RU"/>
           </a:p>
@@ -2904,7 +2910,7 @@
           <a:p>
             <a:fld id="{5ADCDDC1-E146-476C-9C36-FF7AA0E581DF}" type="datetimeFigureOut">
               <a:rPr lang="ru-RU" smtClean="0"/>
-              <a:t>22.06.2025</a:t>
+              <a:t>25.06.2025</a:t>
             </a:fld>
             <a:endParaRPr lang="ru-RU"/>
           </a:p>
@@ -3323,10 +3329,10 @@
       </p:grpSpPr>
       <p:pic>
         <p:nvPicPr>
-          <p:cNvPr id="5" name="Рисунок 4">
-            <a:extLst>
-              <a:ext uri="{FF2B5EF4-FFF2-40B4-BE49-F238E27FC236}">
-                <a16:creationId xmlns:a16="http://schemas.microsoft.com/office/drawing/2014/main" id="{A258892D-F518-EA19-379E-3F653A1D18CA}"/>
+          <p:cNvPr id="3" name="Рисунок 2">
+            <a:extLst>
+              <a:ext uri="{FF2B5EF4-FFF2-40B4-BE49-F238E27FC236}">
+                <a16:creationId xmlns:a16="http://schemas.microsoft.com/office/drawing/2014/main" id="{93EA512A-6E68-C49E-DE7A-2C207116E830}"/>
               </a:ext>
             </a:extLst>
           </p:cNvPr>
@@ -3343,34 +3349,20 @@
         </p:blipFill>
         <p:spPr>
           <a:xfrm>
-            <a:off x="573742" y="272485"/>
-            <a:ext cx="5441576" cy="2817654"/>
+            <a:off x="0" y="310563"/>
+            <a:ext cx="5387788" cy="2756148"/>
           </a:xfrm>
           <a:prstGeom prst="rect">
             <a:avLst/>
           </a:prstGeom>
-          <a:ln w="38100" cap="sq">
-            <a:solidFill>
-              <a:srgbClr val="000000"/>
-            </a:solidFill>
-            <a:prstDash val="solid"/>
-            <a:miter lim="800000"/>
-          </a:ln>
-          <a:effectLst>
-            <a:outerShdw blurRad="50800" dist="38100" dir="2700000" algn="tl" rotWithShape="0">
-              <a:srgbClr val="000000">
-                <a:alpha val="43000"/>
-              </a:srgbClr>
-            </a:outerShdw>
-          </a:effectLst>
         </p:spPr>
       </p:pic>
       <p:pic>
         <p:nvPicPr>
-          <p:cNvPr id="7" name="Рисунок 6">
-            <a:extLst>
-              <a:ext uri="{FF2B5EF4-FFF2-40B4-BE49-F238E27FC236}">
-                <a16:creationId xmlns:a16="http://schemas.microsoft.com/office/drawing/2014/main" id="{2DEB36D3-8CB0-3538-2834-5549833CB74D}"/>
+          <p:cNvPr id="5" name="Рисунок 4">
+            <a:extLst>
+              <a:ext uri="{FF2B5EF4-FFF2-40B4-BE49-F238E27FC236}">
+                <a16:creationId xmlns:a16="http://schemas.microsoft.com/office/drawing/2014/main" id="{9AC363C4-AC98-F098-5B1F-1D618F630E44}"/>
               </a:ext>
             </a:extLst>
           </p:cNvPr>
@@ -3387,32 +3379,168 @@
         </p:blipFill>
         <p:spPr>
           <a:xfrm>
-            <a:off x="4742818" y="3290648"/>
-            <a:ext cx="7045769" cy="3025926"/>
+            <a:off x="5647764" y="3196685"/>
+            <a:ext cx="6544235" cy="3391788"/>
           </a:xfrm>
           <a:prstGeom prst="rect">
             <a:avLst/>
           </a:prstGeom>
-          <a:ln w="38100" cap="sq">
-            <a:solidFill>
-              <a:srgbClr val="000000"/>
-            </a:solidFill>
-            <a:prstDash val="solid"/>
-            <a:miter lim="800000"/>
-          </a:ln>
-          <a:effectLst>
-            <a:outerShdw blurRad="50800" dist="38100" dir="2700000" algn="tl" rotWithShape="0">
-              <a:srgbClr val="000000">
-                <a:alpha val="43000"/>
-              </a:srgbClr>
-            </a:outerShdw>
-          </a:effectLst>
+        </p:spPr>
+      </p:pic>
+      <p:pic>
+        <p:nvPicPr>
+          <p:cNvPr id="7" name="Рисунок 6">
+            <a:extLst>
+              <a:ext uri="{FF2B5EF4-FFF2-40B4-BE49-F238E27FC236}">
+                <a16:creationId xmlns:a16="http://schemas.microsoft.com/office/drawing/2014/main" id="{36F65AE1-DC74-C6F6-927A-DBECB29D8C05}"/>
+              </a:ext>
+            </a:extLst>
+          </p:cNvPr>
+          <p:cNvPicPr>
+            <a:picLocks noChangeAspect="1"/>
+          </p:cNvPicPr>
+          <p:nvPr/>
+        </p:nvPicPr>
+        <p:blipFill>
+          <a:blip r:embed="rId4"/>
+          <a:stretch>
+            <a:fillRect/>
+          </a:stretch>
+        </p:blipFill>
+        <p:spPr>
+          <a:xfrm>
+            <a:off x="0" y="3581338"/>
+            <a:ext cx="5800165" cy="2986766"/>
+          </a:xfrm>
+          <a:prstGeom prst="rect">
+            <a:avLst/>
+          </a:prstGeom>
+        </p:spPr>
+      </p:pic>
+      <p:pic>
+        <p:nvPicPr>
+          <p:cNvPr id="9" name="Рисунок 8">
+            <a:extLst>
+              <a:ext uri="{FF2B5EF4-FFF2-40B4-BE49-F238E27FC236}">
+                <a16:creationId xmlns:a16="http://schemas.microsoft.com/office/drawing/2014/main" id="{B69884D2-18A0-6E36-6B7E-9A5BE2A78FF9}"/>
+              </a:ext>
+            </a:extLst>
+          </p:cNvPr>
+          <p:cNvPicPr>
+            <a:picLocks noChangeAspect="1"/>
+          </p:cNvPicPr>
+          <p:nvPr/>
+        </p:nvPicPr>
+        <p:blipFill>
+          <a:blip r:embed="rId5"/>
+          <a:stretch>
+            <a:fillRect/>
+          </a:stretch>
+        </p:blipFill>
+        <p:spPr>
+          <a:xfrm>
+            <a:off x="6884894" y="257929"/>
+            <a:ext cx="5307106" cy="2760697"/>
+          </a:xfrm>
+          <a:prstGeom prst="rect">
+            <a:avLst/>
+          </a:prstGeom>
         </p:spPr>
       </p:pic>
     </p:spTree>
     <p:extLst>
       <p:ext uri="{BB962C8B-B14F-4D97-AF65-F5344CB8AC3E}">
-        <p14:creationId xmlns:p14="http://schemas.microsoft.com/office/powerpoint/2010/main" val="2956530792"/>
+        <p14:creationId xmlns:p14="http://schemas.microsoft.com/office/powerpoint/2010/main" val="321936420"/>
+      </p:ext>
+    </p:extLst>
+  </p:cSld>
+  <p:clrMapOvr>
+    <a:masterClrMapping/>
+  </p:clrMapOvr>
+</p:sld>
+</file>
+
+<file path=ppt/slides/slide2.xml><?xml version="1.0" encoding="utf-8"?>
+<p:sld xmlns:a="http://schemas.openxmlformats.org/drawingml/2006/main" xmlns:r="http://schemas.openxmlformats.org/officeDocument/2006/relationships" xmlns:p="http://schemas.openxmlformats.org/presentationml/2006/main">
+  <p:cSld>
+    <p:spTree>
+      <p:nvGrpSpPr>
+        <p:cNvPr id="1" name=""/>
+        <p:cNvGrpSpPr/>
+        <p:nvPr/>
+      </p:nvGrpSpPr>
+      <p:grpSpPr>
+        <a:xfrm>
+          <a:off x="0" y="0"/>
+          <a:ext cx="0" cy="0"/>
+          <a:chOff x="0" y="0"/>
+          <a:chExt cx="0" cy="0"/>
+        </a:xfrm>
+      </p:grpSpPr>
+      <p:pic>
+        <p:nvPicPr>
+          <p:cNvPr id="3" name="Рисунок 2">
+            <a:extLst>
+              <a:ext uri="{FF2B5EF4-FFF2-40B4-BE49-F238E27FC236}">
+                <a16:creationId xmlns:a16="http://schemas.microsoft.com/office/drawing/2014/main" id="{8B13D78B-099D-5D65-1B7D-EDB2F8291B9C}"/>
+              </a:ext>
+            </a:extLst>
+          </p:cNvPr>
+          <p:cNvPicPr>
+            <a:picLocks noChangeAspect="1"/>
+          </p:cNvPicPr>
+          <p:nvPr/>
+        </p:nvPicPr>
+        <p:blipFill>
+          <a:blip r:embed="rId2"/>
+          <a:stretch>
+            <a:fillRect/>
+          </a:stretch>
+        </p:blipFill>
+        <p:spPr>
+          <a:xfrm>
+            <a:off x="0" y="331786"/>
+            <a:ext cx="6006353" cy="3051667"/>
+          </a:xfrm>
+          <a:prstGeom prst="rect">
+            <a:avLst/>
+          </a:prstGeom>
+        </p:spPr>
+      </p:pic>
+      <p:pic>
+        <p:nvPicPr>
+          <p:cNvPr id="5" name="Рисунок 4">
+            <a:extLst>
+              <a:ext uri="{FF2B5EF4-FFF2-40B4-BE49-F238E27FC236}">
+                <a16:creationId xmlns:a16="http://schemas.microsoft.com/office/drawing/2014/main" id="{FD969350-49A4-ACBD-C89D-C0E86E07EAD4}"/>
+              </a:ext>
+            </a:extLst>
+          </p:cNvPr>
+          <p:cNvPicPr>
+            <a:picLocks noChangeAspect="1"/>
+          </p:cNvPicPr>
+          <p:nvPr/>
+        </p:nvPicPr>
+        <p:blipFill>
+          <a:blip r:embed="rId3"/>
+          <a:stretch>
+            <a:fillRect/>
+          </a:stretch>
+        </p:blipFill>
+        <p:spPr>
+          <a:xfrm>
+            <a:off x="5181600" y="785511"/>
+            <a:ext cx="7135906" cy="3560410"/>
+          </a:xfrm>
+          <a:prstGeom prst="rect">
+            <a:avLst/>
+          </a:prstGeom>
+        </p:spPr>
+      </p:pic>
+    </p:spTree>
+    <p:extLst>
+      <p:ext uri="{BB962C8B-B14F-4D97-AF65-F5344CB8AC3E}">
+        <p14:creationId xmlns:p14="http://schemas.microsoft.com/office/powerpoint/2010/main" val="2620320542"/>
       </p:ext>
     </p:extLst>
   </p:cSld>
